--- a/unity-vs-unreal.pptx
+++ b/unity-vs-unreal.pptx
@@ -7,9 +7,15 @@
   <p:sldIdLst>
     <p:sldId id="257" r:id="rId2"/>
     <p:sldId id="259" r:id="rId3"/>
-    <p:sldId id="261" r:id="rId4"/>
-    <p:sldId id="258" r:id="rId5"/>
-    <p:sldId id="260" r:id="rId6"/>
+    <p:sldId id="265" r:id="rId4"/>
+    <p:sldId id="261" r:id="rId5"/>
+    <p:sldId id="262" r:id="rId6"/>
+    <p:sldId id="264" r:id="rId7"/>
+    <p:sldId id="263" r:id="rId8"/>
+    <p:sldId id="258" r:id="rId9"/>
+    <p:sldId id="260" r:id="rId10"/>
+    <p:sldId id="266" r:id="rId11"/>
+    <p:sldId id="267" r:id="rId12"/>
   </p:sldIdLst>
   <p:sldSz cx="12192000" cy="6858000"/>
   <p:notesSz cx="6858000" cy="9144000"/>
@@ -108,6 +114,11 @@
       </a:defRPr>
     </a:lvl9pPr>
   </p:defaultTextStyle>
+  <p:extLst>
+    <p:ext uri="{EFAFB233-063F-42B5-8137-9DF3F51BA10A}">
+      <p15:sldGuideLst xmlns:p15="http://schemas.microsoft.com/office/powerpoint/2012/main"/>
+    </p:ext>
+  </p:extLst>
 </p:presentation>
 </file>
 
@@ -3369,54 +3380,68 @@
             <p:ph idx="1"/>
           </p:nvPr>
         </p:nvSpPr>
-        <p:spPr/>
+        <p:spPr>
+          <a:xfrm>
+            <a:off x="838200" y="1648829"/>
+            <a:ext cx="10515600" cy="4976560"/>
+          </a:xfrm>
+        </p:spPr>
         <p:txBody>
           <a:bodyPr>
-            <a:normAutofit/>
+            <a:normAutofit lnSpcReduction="10000"/>
           </a:bodyPr>
           <a:lstStyle/>
           <a:p>
-            <a:r>
-              <a:rPr lang="en-US" dirty="0"/>
+            <a:pPr marL="0" indent="0">
+              <a:buNone/>
+            </a:pPr>
+            <a:r>
+              <a:rPr lang="en-US" sz="3000" dirty="0"/>
               <a:t>Reinforcement learning: agents learn through trial and error.</a:t>
             </a:r>
           </a:p>
           <a:p>
             <a:r>
-              <a:rPr lang="en-US" dirty="0"/>
+              <a:rPr lang="en-US" sz="3000" dirty="0"/>
               <a:t>Recurrent: use of memory (</a:t>
             </a:r>
             <a:r>
-              <a:rPr lang="en-US" dirty="0">
+              <a:rPr lang="en-US" sz="3000" dirty="0">
                 <a:hlinkClick r:id="rId2"/>
               </a:rPr>
               <a:t>https://github.com/gzrjzcx/ML-agents/blob/master/docs/Feature-Memory.md</a:t>
             </a:r>
             <a:r>
-              <a:rPr lang="en-US" dirty="0"/>
+              <a:rPr lang="en-US" sz="3000" dirty="0"/>
               <a:t>) (be aware of limitations).</a:t>
             </a:r>
           </a:p>
           <a:p>
             <a:r>
-              <a:rPr lang="en-US" dirty="0"/>
+              <a:rPr lang="en-US" sz="3000" dirty="0"/>
               <a:t>Curriculum learning: updating the difficulty based on the agent performance (https://github.com/gzrjzcx/ML-agents/blob/master/docs/Training-Curriculum-Learning.md).</a:t>
             </a:r>
           </a:p>
           <a:p>
             <a:r>
-              <a:rPr lang="en-US" dirty="0"/>
-              <a:t>Imitation learning: imitate demonstration behavior ((</a:t>
-            </a:r>
-            <a:r>
-              <a:rPr lang="en-US" dirty="0">
+              <a:rPr lang="en-US" sz="3000" dirty="0"/>
+              <a:t>Imitation learning: imitate demonstrated behavior (</a:t>
+            </a:r>
+            <a:r>
+              <a:rPr lang="en-US" sz="3000" dirty="0">
                 <a:hlinkClick r:id="rId3"/>
               </a:rPr>
               <a:t>https://github.com/gzrjzcx/ML-agents/blob/master/docs/Training-Imitation-Learning.md</a:t>
             </a:r>
             <a:r>
-              <a:rPr lang="en-US" dirty="0"/>
+              <a:rPr lang="en-US" sz="3000" dirty="0"/>
               <a:t>).</a:t>
+            </a:r>
+          </a:p>
+          <a:p>
+            <a:r>
+              <a:rPr lang="en-US" sz="3000" dirty="0"/>
+              <a:t>Supports CNNs.</a:t>
             </a:r>
           </a:p>
           <a:p>
@@ -3428,6 +3453,227 @@
     <p:extLst>
       <p:ext uri="{BB962C8B-B14F-4D97-AF65-F5344CB8AC3E}">
         <p14:creationId xmlns:p14="http://schemas.microsoft.com/office/powerpoint/2010/main" val="225918553"/>
+      </p:ext>
+    </p:extLst>
+  </p:cSld>
+  <p:clrMapOvr>
+    <a:masterClrMapping/>
+  </p:clrMapOvr>
+</p:sld>
+</file>
+
+<file path=ppt/slides/slide10.xml><?xml version="1.0" encoding="utf-8"?>
+<p:sld xmlns:a="http://schemas.openxmlformats.org/drawingml/2006/main" xmlns:r="http://schemas.openxmlformats.org/officeDocument/2006/relationships" xmlns:p="http://schemas.openxmlformats.org/presentationml/2006/main">
+  <p:cSld>
+    <p:spTree>
+      <p:nvGrpSpPr>
+        <p:cNvPr id="1" name=""/>
+        <p:cNvGrpSpPr/>
+        <p:nvPr/>
+      </p:nvGrpSpPr>
+      <p:grpSpPr>
+        <a:xfrm>
+          <a:off x="0" y="0"/>
+          <a:ext cx="0" cy="0"/>
+          <a:chOff x="0" y="0"/>
+          <a:chExt cx="0" cy="0"/>
+        </a:xfrm>
+      </p:grpSpPr>
+      <p:sp>
+        <p:nvSpPr>
+          <p:cNvPr id="2" name="Title 1">
+            <a:extLst>
+              <a:ext uri="{FF2B5EF4-FFF2-40B4-BE49-F238E27FC236}">
+                <a16:creationId xmlns:a16="http://schemas.microsoft.com/office/drawing/2014/main" id="{8FD8590B-C4FD-48E8-B290-C05F0E612D41}"/>
+              </a:ext>
+            </a:extLst>
+          </p:cNvPr>
+          <p:cNvSpPr>
+            <a:spLocks noGrp="1"/>
+          </p:cNvSpPr>
+          <p:nvPr>
+            <p:ph type="title"/>
+          </p:nvPr>
+        </p:nvSpPr>
+        <p:spPr/>
+        <p:txBody>
+          <a:bodyPr/>
+          <a:lstStyle/>
+          <a:p>
+            <a:r>
+              <a:rPr lang="en-US" dirty="0"/>
+              <a:t>Educational Environments Examples</a:t>
+            </a:r>
+          </a:p>
+        </p:txBody>
+      </p:sp>
+      <p:sp>
+        <p:nvSpPr>
+          <p:cNvPr id="3" name="Content Placeholder 2">
+            <a:extLst>
+              <a:ext uri="{FF2B5EF4-FFF2-40B4-BE49-F238E27FC236}">
+                <a16:creationId xmlns:a16="http://schemas.microsoft.com/office/drawing/2014/main" id="{6B265EC4-FD71-4A23-B14A-8D1C37E53F66}"/>
+              </a:ext>
+            </a:extLst>
+          </p:cNvPr>
+          <p:cNvSpPr>
+            <a:spLocks noGrp="1"/>
+          </p:cNvSpPr>
+          <p:nvPr>
+            <p:ph idx="1"/>
+          </p:nvPr>
+        </p:nvSpPr>
+        <p:spPr>
+          <a:xfrm>
+            <a:off x="838200" y="1498600"/>
+            <a:ext cx="10515600" cy="4678363"/>
+          </a:xfrm>
+        </p:spPr>
+        <p:txBody>
+          <a:bodyPr>
+            <a:normAutofit fontScale="92500" lnSpcReduction="10000"/>
+          </a:bodyPr>
+          <a:lstStyle/>
+          <a:p>
+            <a:r>
+              <a:rPr lang="en-US" dirty="0"/>
+              <a:t>1. Analyze user eye data (focused, bored), puzzle game, help choosing user which topics he wants to learn about: “I see you are too focus, keep thinking; I see you are bored, let us try another topic?” (perhaps example of Imitation Learning)</a:t>
+            </a:r>
+          </a:p>
+          <a:p>
+            <a:r>
+              <a:rPr lang="en-US" dirty="0"/>
+              <a:t>2. Continuing with previous example, the game can adapt based on user behavioral data to give different/more difficult/easier problems. E.g. the size of the hole where you put an object gets bigger; or if the person takes too many tries, you remove some components that make the game difficult (can this be done just using “behavioral” trees?)</a:t>
+            </a:r>
+          </a:p>
+          <a:p>
+            <a:r>
+              <a:rPr lang="en-US" dirty="0"/>
+              <a:t>3. Narrator talks about something, if user frowns, narrator says: "Oh, I see you are confused. Let me explain it in more detail.". Might be great for education when explaining some topics to users from different backgrounds.</a:t>
+            </a:r>
+          </a:p>
+        </p:txBody>
+      </p:sp>
+    </p:spTree>
+    <p:extLst>
+      <p:ext uri="{BB962C8B-B14F-4D97-AF65-F5344CB8AC3E}">
+        <p14:creationId xmlns:p14="http://schemas.microsoft.com/office/powerpoint/2010/main" val="1103531971"/>
+      </p:ext>
+    </p:extLst>
+  </p:cSld>
+  <p:clrMapOvr>
+    <a:masterClrMapping/>
+  </p:clrMapOvr>
+</p:sld>
+</file>
+
+<file path=ppt/slides/slide11.xml><?xml version="1.0" encoding="utf-8"?>
+<p:sld xmlns:a="http://schemas.openxmlformats.org/drawingml/2006/main" xmlns:r="http://schemas.openxmlformats.org/officeDocument/2006/relationships" xmlns:p="http://schemas.openxmlformats.org/presentationml/2006/main">
+  <p:cSld>
+    <p:spTree>
+      <p:nvGrpSpPr>
+        <p:cNvPr id="1" name=""/>
+        <p:cNvGrpSpPr/>
+        <p:nvPr/>
+      </p:nvGrpSpPr>
+      <p:grpSpPr>
+        <a:xfrm>
+          <a:off x="0" y="0"/>
+          <a:ext cx="0" cy="0"/>
+          <a:chOff x="0" y="0"/>
+          <a:chExt cx="0" cy="0"/>
+        </a:xfrm>
+      </p:grpSpPr>
+      <p:sp>
+        <p:nvSpPr>
+          <p:cNvPr id="2" name="Title 1">
+            <a:extLst>
+              <a:ext uri="{FF2B5EF4-FFF2-40B4-BE49-F238E27FC236}">
+                <a16:creationId xmlns:a16="http://schemas.microsoft.com/office/drawing/2014/main" id="{8FD8590B-C4FD-48E8-B290-C05F0E612D41}"/>
+              </a:ext>
+            </a:extLst>
+          </p:cNvPr>
+          <p:cNvSpPr>
+            <a:spLocks noGrp="1"/>
+          </p:cNvSpPr>
+          <p:nvPr>
+            <p:ph type="title"/>
+          </p:nvPr>
+        </p:nvSpPr>
+        <p:spPr/>
+        <p:txBody>
+          <a:bodyPr/>
+          <a:lstStyle/>
+          <a:p>
+            <a:r>
+              <a:rPr lang="en-US" dirty="0"/>
+              <a:t>Educational Environments Examples</a:t>
+            </a:r>
+          </a:p>
+        </p:txBody>
+      </p:sp>
+      <p:sp>
+        <p:nvSpPr>
+          <p:cNvPr id="3" name="Content Placeholder 2">
+            <a:extLst>
+              <a:ext uri="{FF2B5EF4-FFF2-40B4-BE49-F238E27FC236}">
+                <a16:creationId xmlns:a16="http://schemas.microsoft.com/office/drawing/2014/main" id="{6B265EC4-FD71-4A23-B14A-8D1C37E53F66}"/>
+              </a:ext>
+            </a:extLst>
+          </p:cNvPr>
+          <p:cNvSpPr>
+            <a:spLocks noGrp="1"/>
+          </p:cNvSpPr>
+          <p:nvPr>
+            <p:ph idx="1"/>
+          </p:nvPr>
+        </p:nvSpPr>
+        <p:spPr>
+          <a:xfrm>
+            <a:off x="838200" y="1498600"/>
+            <a:ext cx="10515600" cy="4678363"/>
+          </a:xfrm>
+        </p:spPr>
+        <p:txBody>
+          <a:bodyPr>
+            <a:normAutofit/>
+          </a:bodyPr>
+          <a:lstStyle/>
+          <a:p>
+            <a:r>
+              <a:rPr lang="en-US" dirty="0"/>
+              <a:t>Adapt educational environments based on user type (identify user type (e.g. visual, audio learners, by bio data and adapt accordingly).</a:t>
+            </a:r>
+          </a:p>
+          <a:p>
+            <a:r>
+              <a:rPr lang="en-US" dirty="0"/>
+              <a:t>Play therapy (cure e.g. ADHD through gaming).</a:t>
+            </a:r>
+          </a:p>
+          <a:p>
+            <a:r>
+              <a:rPr lang="en-US" dirty="0"/>
+              <a:t>Redesign UI based on gaze data.</a:t>
+            </a:r>
+          </a:p>
+          <a:p>
+            <a:r>
+              <a:rPr lang="en-US" dirty="0"/>
+              <a:t>In Unity, you can train model to generate scenes, perhaps use them to generate e.g. more difficult scenes if user successfully </a:t>
+            </a:r>
+            <a:r>
+              <a:rPr lang="en-US"/>
+              <a:t>passed tests.</a:t>
+            </a:r>
+            <a:endParaRPr lang="en-US" dirty="0"/>
+          </a:p>
+        </p:txBody>
+      </p:sp>
+    </p:spTree>
+    <p:extLst>
+      <p:ext uri="{BB962C8B-B14F-4D97-AF65-F5344CB8AC3E}">
+        <p14:creationId xmlns:p14="http://schemas.microsoft.com/office/powerpoint/2010/main" val="729639370"/>
       </p:ext>
     </p:extLst>
   </p:cSld>
@@ -3500,48 +3746,52 @@
         </p:nvSpPr>
         <p:spPr>
           <a:xfrm>
-            <a:off x="838200" y="1825625"/>
-            <a:ext cx="10515600" cy="4667250"/>
+            <a:off x="838200" y="1507958"/>
+            <a:ext cx="10515600" cy="5129296"/>
           </a:xfrm>
         </p:spPr>
         <p:txBody>
           <a:bodyPr>
-            <a:normAutofit fontScale="92500"/>
+            <a:normAutofit/>
           </a:bodyPr>
           <a:lstStyle/>
           <a:p>
-            <a:r>
-              <a:rPr lang="en-US" dirty="0"/>
-              <a:t>Imitation learning: in this mode, the Brain type during training is set to Player and all the actions performed with the controller (in addition to the agent observations) will be recorded and sent to the Python API (</a:t>
-            </a:r>
-            <a:r>
-              <a:rPr lang="en-US" b="1" dirty="0"/>
-              <a:t>Demonstration Recorder</a:t>
-            </a:r>
-            <a:r>
-              <a:rPr lang="en-US" dirty="0"/>
-              <a:t>). The imitation learning algorithm will then use these pairs of observations and actions from the human player to learn a policy (it is possible to record demonstrations of agent behavior from the Unity Editor, and save them as assets)</a:t>
-            </a:r>
-          </a:p>
-          <a:p>
-            <a:pPr lvl="1"/>
-            <a:r>
-              <a:rPr lang="en-US" dirty="0"/>
-              <a:t>Online training (demonstrations in real-time during training, without pre-recording a demonstration file)</a:t>
-            </a:r>
-          </a:p>
-          <a:p>
-            <a:pPr lvl="1"/>
-            <a:r>
-              <a:rPr lang="en-US" dirty="0"/>
-              <a:t>Offline training (by supporting .demo files, generated using the Demonstration Recorder as the dataset used to train a behavior.)y</a:t>
-            </a:r>
-          </a:p>
-          <a:p>
-            <a:pPr lvl="1"/>
-            <a:r>
-              <a:rPr lang="en-US" dirty="0"/>
-              <a:t>Provided BC Teacher Helper for resetting the training buffer and start and stop recording experiences</a:t>
+            <a:pPr marL="0" indent="0">
+              <a:buNone/>
+            </a:pPr>
+            <a:r>
+              <a:rPr lang="en-US" sz="3200" dirty="0"/>
+              <a:t>Imitation learning: it is possible to record demonstrations of agent behavior from the Unity Editor, and save them as assets.</a:t>
+            </a:r>
+          </a:p>
+          <a:p>
+            <a:r>
+              <a:rPr lang="en-US" sz="3200" b="1" dirty="0"/>
+              <a:t>Online training </a:t>
+            </a:r>
+            <a:r>
+              <a:rPr lang="en-US" sz="3200" dirty="0"/>
+              <a:t>(demonstrations in real-time during training, without pre-recording a demonstration file)</a:t>
+            </a:r>
+          </a:p>
+          <a:p>
+            <a:r>
+              <a:rPr lang="en-US" sz="3200" b="1" dirty="0"/>
+              <a:t>Offline training </a:t>
+            </a:r>
+            <a:r>
+              <a:rPr lang="en-US" sz="3200" dirty="0"/>
+              <a:t>(by supporting .demo files, generated using the Demonstration Recorder as the dataset used to train a behavior.)y</a:t>
+            </a:r>
+          </a:p>
+          <a:p>
+            <a:r>
+              <a:rPr lang="en-US" sz="3200" dirty="0"/>
+              <a:t>Provided BC Teacher Helper for </a:t>
+            </a:r>
+            <a:r>
+              <a:rPr lang="en-US" sz="3200" b="1" dirty="0"/>
+              <a:t>resetting the training buffer and start and stop recording experiences.</a:t>
             </a:r>
           </a:p>
           <a:p>
@@ -3584,7 +3834,7 @@
           <p:cNvPr id="2" name="Title 1">
             <a:extLst>
               <a:ext uri="{FF2B5EF4-FFF2-40B4-BE49-F238E27FC236}">
-                <a16:creationId xmlns:a16="http://schemas.microsoft.com/office/drawing/2014/main" id="{49C2A307-D3EF-4B94-89BC-6CA9B8396E04}"/>
+                <a16:creationId xmlns:a16="http://schemas.microsoft.com/office/drawing/2014/main" id="{AB51CA1E-EFCE-4895-B7E6-3E1535731705}"/>
               </a:ext>
             </a:extLst>
           </p:cNvPr>
@@ -3602,7 +3852,7 @@
           <a:p>
             <a:r>
               <a:rPr lang="en-US" dirty="0"/>
-              <a:t>Learning Agents Supported Networks</a:t>
+              <a:t>More on ML-Agents</a:t>
             </a:r>
           </a:p>
         </p:txBody>
@@ -3612,7 +3862,7 @@
           <p:cNvPr id="3" name="Content Placeholder 2">
             <a:extLst>
               <a:ext uri="{FF2B5EF4-FFF2-40B4-BE49-F238E27FC236}">
-                <a16:creationId xmlns:a16="http://schemas.microsoft.com/office/drawing/2014/main" id="{C002ABBF-4099-4CAE-BD14-59D1FCCC1221}"/>
+                <a16:creationId xmlns:a16="http://schemas.microsoft.com/office/drawing/2014/main" id="{B0881B74-1A6A-492C-B872-C3F7E4237C8E}"/>
               </a:ext>
             </a:extLst>
           </p:cNvPr>
@@ -3625,33 +3875,41 @@
         </p:nvSpPr>
         <p:spPr/>
         <p:txBody>
-          <a:bodyPr>
-            <a:normAutofit/>
-          </a:bodyPr>
+          <a:bodyPr/>
           <a:lstStyle/>
           <a:p>
             <a:r>
               <a:rPr lang="en-US" dirty="0"/>
-              <a:t>Reinforcement learning: agents learn through trial and error.</a:t>
-            </a:r>
-          </a:p>
-          <a:p>
+              <a:t>Custom Training and Inference</a:t>
+            </a:r>
+          </a:p>
+          <a:p>
+            <a:pPr lvl="1"/>
             <a:r>
               <a:rPr lang="en-US" dirty="0"/>
-              <a:t>Recurrent: NO!</a:t>
-            </a:r>
-          </a:p>
-          <a:p>
+              <a:t>Any user of the ML-Agents toolkit can leverage their own algorithms for training. In this case, the Brain type would be set to Learning and be linked to the </a:t>
+            </a:r>
+            <a:r>
+              <a:rPr lang="en-US" dirty="0" err="1"/>
+              <a:t>BroadcastHub</a:t>
+            </a:r>
             <a:r>
               <a:rPr lang="en-US" dirty="0"/>
-              <a:t>Curriculum learning: NO!</a:t>
+              <a:t> (with checked Control checkbox) and the behaviors of all the Agents in the scene will be controlled within Python. You can even turn your environment into a gym.</a:t>
             </a:r>
           </a:p>
           <a:p>
             <a:r>
               <a:rPr lang="en-US" dirty="0"/>
-              <a:t>Imitation learning: YES!</a:t>
-            </a:r>
+              <a:t>Python API: </a:t>
+            </a:r>
+            <a:r>
+              <a:rPr lang="en-US" dirty="0">
+                <a:hlinkClick r:id="rId2"/>
+              </a:rPr>
+              <a:t>https://github.com/gzrjzcx/ML-agents/blob/master/docs/Python-API.md</a:t>
+            </a:r>
+            <a:endParaRPr lang="en-US" dirty="0"/>
           </a:p>
           <a:p>
             <a:endParaRPr lang="en-US" dirty="0"/>
@@ -3661,7 +3919,7 @@
     </p:spTree>
     <p:extLst>
       <p:ext uri="{BB962C8B-B14F-4D97-AF65-F5344CB8AC3E}">
-        <p14:creationId xmlns:p14="http://schemas.microsoft.com/office/powerpoint/2010/main" val="2127948823"/>
+        <p14:creationId xmlns:p14="http://schemas.microsoft.com/office/powerpoint/2010/main" val="3840712917"/>
       </p:ext>
     </p:extLst>
   </p:cSld>
@@ -3693,7 +3951,7 @@
           <p:cNvPr id="2" name="Title 1">
             <a:extLst>
               <a:ext uri="{FF2B5EF4-FFF2-40B4-BE49-F238E27FC236}">
-                <a16:creationId xmlns:a16="http://schemas.microsoft.com/office/drawing/2014/main" id="{E03E1F13-BE86-4579-9387-CF998F828333}"/>
+                <a16:creationId xmlns:a16="http://schemas.microsoft.com/office/drawing/2014/main" id="{49C2A307-D3EF-4B94-89BC-6CA9B8396E04}"/>
               </a:ext>
             </a:extLst>
           </p:cNvPr>
@@ -3711,7 +3969,7 @@
           <a:p>
             <a:r>
               <a:rPr lang="en-US" dirty="0"/>
-              <a:t>Unity ML-Agents</a:t>
+              <a:t>Learning Agents Supported Networks</a:t>
             </a:r>
           </a:p>
         </p:txBody>
@@ -3721,7 +3979,7 @@
           <p:cNvPr id="3" name="Content Placeholder 2">
             <a:extLst>
               <a:ext uri="{FF2B5EF4-FFF2-40B4-BE49-F238E27FC236}">
-                <a16:creationId xmlns:a16="http://schemas.microsoft.com/office/drawing/2014/main" id="{8AAABF7F-2EF4-43E2-9C7C-B2E29460D0BB}"/>
+                <a16:creationId xmlns:a16="http://schemas.microsoft.com/office/drawing/2014/main" id="{C002ABBF-4099-4CAE-BD14-59D1FCCC1221}"/>
               </a:ext>
             </a:extLst>
           </p:cNvPr>
@@ -3732,74 +3990,48 @@
             <p:ph idx="1"/>
           </p:nvPr>
         </p:nvSpPr>
-        <p:spPr/>
+        <p:spPr>
+          <a:xfrm>
+            <a:off x="838200" y="1600701"/>
+            <a:ext cx="10515600" cy="4892173"/>
+          </a:xfrm>
+        </p:spPr>
         <p:txBody>
           <a:bodyPr>
-            <a:normAutofit fontScale="92500" lnSpcReduction="10000"/>
+            <a:normAutofit lnSpcReduction="10000"/>
           </a:bodyPr>
           <a:lstStyle/>
           <a:p>
             <a:r>
-              <a:rPr lang="en-US" dirty="0"/>
-              <a:t>Fast development due to open source and large community.</a:t>
-            </a:r>
-          </a:p>
-          <a:p>
-            <a:r>
-              <a:rPr lang="en-US" dirty="0"/>
-              <a:t>Easy to implement NNs in the Unity environment.</a:t>
-            </a:r>
-          </a:p>
-          <a:p>
-            <a:r>
-              <a:rPr lang="en-US" dirty="0"/>
-              <a:t>Training/Inference can be controlled via Python API (</a:t>
-            </a:r>
-            <a:r>
-              <a:rPr lang="en-US" dirty="0">
-                <a:hlinkClick r:id="rId2"/>
-              </a:rPr>
-              <a:t>https://github.com/gzrjzcx/ML-agents/blob/master/docs/Training-Imitation-Learning.md</a:t>
-            </a:r>
-            <a:r>
-              <a:rPr lang="en-US" dirty="0"/>
-              <a:t>)</a:t>
-            </a:r>
-          </a:p>
-          <a:p>
-            <a:r>
-              <a:rPr lang="en-US" dirty="0"/>
-              <a:t>Many, MANY additional features (</a:t>
-            </a:r>
-            <a:r>
-              <a:rPr lang="en-US" dirty="0">
-                <a:hlinkClick r:id="rId3"/>
-              </a:rPr>
-              <a:t>https://github.com/gzrjzcx/ML-agents/blob/master/docs/ML-Agents-Overview.md#running-example-training-npc-behaviors</a:t>
-            </a:r>
-            <a:r>
-              <a:rPr lang="en-US" dirty="0"/>
-              <a:t>), such as:</a:t>
-            </a:r>
-          </a:p>
-          <a:p>
-            <a:pPr lvl="1"/>
-            <a:r>
-              <a:rPr lang="en-US" dirty="0"/>
-              <a:t>Memory-enhanced agents (Recurrent NNs)</a:t>
-            </a:r>
-          </a:p>
-          <a:p>
-            <a:pPr lvl="1"/>
-            <a:r>
-              <a:rPr lang="en-US" dirty="0"/>
-              <a:t>Broadcasting (Agents observations and actions are sent to the Python API)</a:t>
-            </a:r>
-          </a:p>
-          <a:p>
-            <a:r>
-              <a:rPr lang="en-US" dirty="0"/>
-              <a:t>Supports use pre-trained neural network models.</a:t>
+              <a:rPr lang="en-US" sz="3200" dirty="0"/>
+              <a:t>Recurrent: NO! (doesn't directly support incorporating past experiences or information into the decision-making process, i.e. tasks requiring temporal reasoning or long-term planning)</a:t>
+            </a:r>
+          </a:p>
+          <a:p>
+            <a:r>
+              <a:rPr lang="en-US" sz="3200" dirty="0"/>
+              <a:t>Curriculum learning: NO!</a:t>
+            </a:r>
+          </a:p>
+          <a:p>
+            <a:r>
+              <a:rPr lang="en-US" sz="3200" dirty="0"/>
+              <a:t>Imitation learning: YES!</a:t>
+            </a:r>
+          </a:p>
+          <a:p>
+            <a:r>
+              <a:rPr lang="en-US" sz="3200" dirty="0"/>
+              <a:t>CNNs: NO!</a:t>
+            </a:r>
+          </a:p>
+          <a:p>
+            <a:pPr marL="0" indent="0">
+              <a:buNone/>
+            </a:pPr>
+            <a:r>
+              <a:rPr lang="en-US" sz="3200" dirty="0"/>
+              <a:t>Thus, agents are only trained through Proximal Policy Optimization (PPO) reinforcement learning algorithm or Behavior Cloning (BC) imitation learning algorithm.</a:t>
             </a:r>
           </a:p>
           <a:p>
@@ -3810,7 +4042,7 @@
     </p:spTree>
     <p:extLst>
       <p:ext uri="{BB962C8B-B14F-4D97-AF65-F5344CB8AC3E}">
-        <p14:creationId xmlns:p14="http://schemas.microsoft.com/office/powerpoint/2010/main" val="3188441886"/>
+        <p14:creationId xmlns:p14="http://schemas.microsoft.com/office/powerpoint/2010/main" val="2127948823"/>
       </p:ext>
     </p:extLst>
   </p:cSld>
@@ -3842,6 +4074,553 @@
           <p:cNvPr id="2" name="Title 1">
             <a:extLst>
               <a:ext uri="{FF2B5EF4-FFF2-40B4-BE49-F238E27FC236}">
+                <a16:creationId xmlns:a16="http://schemas.microsoft.com/office/drawing/2014/main" id="{49C2A307-D3EF-4B94-89BC-6CA9B8396E04}"/>
+              </a:ext>
+            </a:extLst>
+          </p:cNvPr>
+          <p:cNvSpPr>
+            <a:spLocks noGrp="1"/>
+          </p:cNvSpPr>
+          <p:nvPr>
+            <p:ph type="title"/>
+          </p:nvPr>
+        </p:nvSpPr>
+        <p:spPr/>
+        <p:txBody>
+          <a:bodyPr/>
+          <a:lstStyle/>
+          <a:p>
+            <a:r>
+              <a:rPr lang="en-US" dirty="0"/>
+              <a:t>More on Learning Agents</a:t>
+            </a:r>
+          </a:p>
+        </p:txBody>
+      </p:sp>
+      <p:sp>
+        <p:nvSpPr>
+          <p:cNvPr id="3" name="Content Placeholder 2">
+            <a:extLst>
+              <a:ext uri="{FF2B5EF4-FFF2-40B4-BE49-F238E27FC236}">
+                <a16:creationId xmlns:a16="http://schemas.microsoft.com/office/drawing/2014/main" id="{C002ABBF-4099-4CAE-BD14-59D1FCCC1221}"/>
+              </a:ext>
+            </a:extLst>
+          </p:cNvPr>
+          <p:cNvSpPr>
+            <a:spLocks noGrp="1"/>
+          </p:cNvSpPr>
+          <p:nvPr>
+            <p:ph idx="1"/>
+          </p:nvPr>
+        </p:nvSpPr>
+        <p:spPr/>
+        <p:txBody>
+          <a:bodyPr>
+            <a:normAutofit/>
+          </a:bodyPr>
+          <a:lstStyle/>
+          <a:p>
+            <a:r>
+              <a:rPr lang="en-US" sz="3600" dirty="0"/>
+              <a:t>Utilizes Blueprint system (see next image).</a:t>
+            </a:r>
+          </a:p>
+          <a:p>
+            <a:r>
+              <a:rPr lang="en-US" sz="3600" dirty="0"/>
+              <a:t>Use C++ to define observations/actions and your neural network structure, as well as the flow-control for the training and inference procedures.  </a:t>
+            </a:r>
+          </a:p>
+          <a:p>
+            <a:r>
+              <a:rPr lang="en-US" sz="3600" dirty="0"/>
+              <a:t>During training, the UE process will collaborate with an external Python process running </a:t>
+            </a:r>
+            <a:r>
+              <a:rPr lang="en-US" sz="3600" dirty="0" err="1"/>
+              <a:t>PyTorch</a:t>
+            </a:r>
+            <a:r>
+              <a:rPr lang="en-US" sz="3600" dirty="0"/>
+              <a:t> (included a working </a:t>
+            </a:r>
+            <a:r>
+              <a:rPr lang="en-US" sz="3600" dirty="0" err="1"/>
+              <a:t>PyTorch</a:t>
+            </a:r>
+            <a:r>
+              <a:rPr lang="en-US" sz="3600" dirty="0"/>
+              <a:t> algorithm for PPO and BC).</a:t>
+            </a:r>
+          </a:p>
+        </p:txBody>
+      </p:sp>
+    </p:spTree>
+    <p:extLst>
+      <p:ext uri="{BB962C8B-B14F-4D97-AF65-F5344CB8AC3E}">
+        <p14:creationId xmlns:p14="http://schemas.microsoft.com/office/powerpoint/2010/main" val="1605895014"/>
+      </p:ext>
+    </p:extLst>
+  </p:cSld>
+  <p:clrMapOvr>
+    <a:masterClrMapping/>
+  </p:clrMapOvr>
+</p:sld>
+</file>
+
+<file path=ppt/slides/slide6.xml><?xml version="1.0" encoding="utf-8"?>
+<p:sld xmlns:a="http://schemas.openxmlformats.org/drawingml/2006/main" xmlns:r="http://schemas.openxmlformats.org/officeDocument/2006/relationships" xmlns:p="http://schemas.openxmlformats.org/presentationml/2006/main">
+  <p:cSld>
+    <p:spTree>
+      <p:nvGrpSpPr>
+        <p:cNvPr id="1" name=""/>
+        <p:cNvGrpSpPr/>
+        <p:nvPr/>
+      </p:nvGrpSpPr>
+      <p:grpSpPr>
+        <a:xfrm>
+          <a:off x="0" y="0"/>
+          <a:ext cx="0" cy="0"/>
+          <a:chOff x="0" y="0"/>
+          <a:chExt cx="0" cy="0"/>
+        </a:xfrm>
+      </p:grpSpPr>
+      <p:pic>
+        <p:nvPicPr>
+          <p:cNvPr id="7" name="Picture 6">
+            <a:extLst>
+              <a:ext uri="{FF2B5EF4-FFF2-40B4-BE49-F238E27FC236}">
+                <a16:creationId xmlns:a16="http://schemas.microsoft.com/office/drawing/2014/main" id="{31C989EF-8824-443B-B5A2-5AD53B5E4A13}"/>
+              </a:ext>
+            </a:extLst>
+          </p:cNvPr>
+          <p:cNvPicPr>
+            <a:picLocks noChangeAspect="1"/>
+          </p:cNvPicPr>
+          <p:nvPr/>
+        </p:nvPicPr>
+        <p:blipFill>
+          <a:blip r:embed="rId2">
+            <a:extLst>
+              <a:ext uri="{28A0092B-C50C-407E-A947-70E740481C1C}">
+                <a14:useLocalDpi xmlns:a14="http://schemas.microsoft.com/office/drawing/2010/main" val="0"/>
+              </a:ext>
+            </a:extLst>
+          </a:blip>
+          <a:stretch>
+            <a:fillRect/>
+          </a:stretch>
+        </p:blipFill>
+        <p:spPr>
+          <a:xfrm>
+            <a:off x="299226" y="213385"/>
+            <a:ext cx="11593543" cy="4429743"/>
+          </a:xfrm>
+          <a:prstGeom prst="rect">
+            <a:avLst/>
+          </a:prstGeom>
+        </p:spPr>
+      </p:pic>
+      <p:sp>
+        <p:nvSpPr>
+          <p:cNvPr id="8" name="TextBox 7">
+            <a:extLst>
+              <a:ext uri="{FF2B5EF4-FFF2-40B4-BE49-F238E27FC236}">
+                <a16:creationId xmlns:a16="http://schemas.microsoft.com/office/drawing/2014/main" id="{CA14F5CD-D7F2-4CDE-B5C2-5B97631C5283}"/>
+              </a:ext>
+            </a:extLst>
+          </p:cNvPr>
+          <p:cNvSpPr txBox="1"/>
+          <p:nvPr/>
+        </p:nvSpPr>
+        <p:spPr>
+          <a:xfrm>
+            <a:off x="1580144" y="4558239"/>
+            <a:ext cx="9031706" cy="1077218"/>
+          </a:xfrm>
+          <a:prstGeom prst="rect">
+            <a:avLst/>
+          </a:prstGeom>
+          <a:noFill/>
+        </p:spPr>
+        <p:txBody>
+          <a:bodyPr wrap="square" rtlCol="0">
+            <a:spAutoFit/>
+          </a:bodyPr>
+          <a:lstStyle/>
+          <a:p>
+            <a:pPr algn="ctr"/>
+            <a:r>
+              <a:rPr lang="en-US" sz="3200" dirty="0"/>
+              <a:t>Assigning </a:t>
+            </a:r>
+            <a:r>
+              <a:rPr lang="en-US" sz="3200" dirty="0" err="1"/>
+              <a:t>LearningAgentManager</a:t>
+            </a:r>
+            <a:r>
+              <a:rPr lang="en-US" sz="3200" dirty="0"/>
+              <a:t> to some Actor (like NPC or car)</a:t>
+            </a:r>
+          </a:p>
+        </p:txBody>
+      </p:sp>
+      <p:sp>
+        <p:nvSpPr>
+          <p:cNvPr id="9" name="TextBox 8">
+            <a:extLst>
+              <a:ext uri="{FF2B5EF4-FFF2-40B4-BE49-F238E27FC236}">
+                <a16:creationId xmlns:a16="http://schemas.microsoft.com/office/drawing/2014/main" id="{0809F230-9DB7-4728-A337-5AD052DDBB97}"/>
+              </a:ext>
+            </a:extLst>
+          </p:cNvPr>
+          <p:cNvSpPr txBox="1"/>
+          <p:nvPr/>
+        </p:nvSpPr>
+        <p:spPr>
+          <a:xfrm>
+            <a:off x="497305" y="5550568"/>
+            <a:ext cx="11036969" cy="1077218"/>
+          </a:xfrm>
+          <a:prstGeom prst="rect">
+            <a:avLst/>
+          </a:prstGeom>
+          <a:noFill/>
+        </p:spPr>
+        <p:txBody>
+          <a:bodyPr wrap="square" rtlCol="0">
+            <a:spAutoFit/>
+          </a:bodyPr>
+          <a:lstStyle/>
+          <a:p>
+            <a:r>
+              <a:rPr lang="en-US" sz="3200" dirty="0"/>
+              <a:t>Manager Components: gathering observations, taking actions, performing training, and recording data to files.</a:t>
+            </a:r>
+          </a:p>
+        </p:txBody>
+      </p:sp>
+    </p:spTree>
+    <p:extLst>
+      <p:ext uri="{BB962C8B-B14F-4D97-AF65-F5344CB8AC3E}">
+        <p14:creationId xmlns:p14="http://schemas.microsoft.com/office/powerpoint/2010/main" val="2979585482"/>
+      </p:ext>
+    </p:extLst>
+  </p:cSld>
+  <p:clrMapOvr>
+    <a:masterClrMapping/>
+  </p:clrMapOvr>
+</p:sld>
+</file>
+
+<file path=ppt/slides/slide7.xml><?xml version="1.0" encoding="utf-8"?>
+<p:sld xmlns:a="http://schemas.openxmlformats.org/drawingml/2006/main" xmlns:r="http://schemas.openxmlformats.org/officeDocument/2006/relationships" xmlns:p="http://schemas.openxmlformats.org/presentationml/2006/main">
+  <p:cSld>
+    <p:spTree>
+      <p:nvGrpSpPr>
+        <p:cNvPr id="1" name=""/>
+        <p:cNvGrpSpPr/>
+        <p:nvPr/>
+      </p:nvGrpSpPr>
+      <p:grpSpPr>
+        <a:xfrm>
+          <a:off x="0" y="0"/>
+          <a:ext cx="0" cy="0"/>
+          <a:chOff x="0" y="0"/>
+          <a:chExt cx="0" cy="0"/>
+        </a:xfrm>
+      </p:grpSpPr>
+      <p:sp>
+        <p:nvSpPr>
+          <p:cNvPr id="2" name="Title 1">
+            <a:extLst>
+              <a:ext uri="{FF2B5EF4-FFF2-40B4-BE49-F238E27FC236}">
+                <a16:creationId xmlns:a16="http://schemas.microsoft.com/office/drawing/2014/main" id="{49C2A307-D3EF-4B94-89BC-6CA9B8396E04}"/>
+              </a:ext>
+            </a:extLst>
+          </p:cNvPr>
+          <p:cNvSpPr>
+            <a:spLocks noGrp="1"/>
+          </p:cNvSpPr>
+          <p:nvPr>
+            <p:ph type="title"/>
+          </p:nvPr>
+        </p:nvSpPr>
+        <p:spPr/>
+        <p:txBody>
+          <a:bodyPr/>
+          <a:lstStyle/>
+          <a:p>
+            <a:r>
+              <a:rPr lang="en-US" dirty="0"/>
+              <a:t>More on Learning Agents</a:t>
+            </a:r>
+          </a:p>
+        </p:txBody>
+      </p:sp>
+      <p:sp>
+        <p:nvSpPr>
+          <p:cNvPr id="3" name="Content Placeholder 2">
+            <a:extLst>
+              <a:ext uri="{FF2B5EF4-FFF2-40B4-BE49-F238E27FC236}">
+                <a16:creationId xmlns:a16="http://schemas.microsoft.com/office/drawing/2014/main" id="{C002ABBF-4099-4CAE-BD14-59D1FCCC1221}"/>
+              </a:ext>
+            </a:extLst>
+          </p:cNvPr>
+          <p:cNvSpPr>
+            <a:spLocks noGrp="1"/>
+          </p:cNvSpPr>
+          <p:nvPr>
+            <p:ph idx="1"/>
+          </p:nvPr>
+        </p:nvSpPr>
+        <p:spPr/>
+        <p:txBody>
+          <a:bodyPr>
+            <a:normAutofit/>
+          </a:bodyPr>
+          <a:lstStyle/>
+          <a:p>
+            <a:r>
+              <a:rPr lang="en-US" sz="3200" dirty="0"/>
+              <a:t>Used for: </a:t>
+            </a:r>
+          </a:p>
+          <a:p>
+            <a:pPr lvl="1"/>
+            <a:r>
+              <a:rPr lang="en-US" sz="3200" dirty="0"/>
+              <a:t>Training AI characters (best to use combination of behavioral trees + NNs)</a:t>
+            </a:r>
+          </a:p>
+          <a:p>
+            <a:pPr lvl="1"/>
+            <a:r>
+              <a:rPr lang="en-US" sz="3200" dirty="0"/>
+              <a:t>Physics-based animations (perhaps imitation learning)</a:t>
+            </a:r>
+          </a:p>
+          <a:p>
+            <a:pPr lvl="1"/>
+            <a:r>
+              <a:rPr lang="en-US" sz="3200" dirty="0"/>
+              <a:t>Automated QA testing.</a:t>
+            </a:r>
+          </a:p>
+          <a:p>
+            <a:r>
+              <a:rPr lang="en-US" sz="3200" dirty="0"/>
+              <a:t>Not used for:</a:t>
+            </a:r>
+          </a:p>
+          <a:p>
+            <a:pPr lvl="1"/>
+            <a:r>
+              <a:rPr lang="en-US" sz="3200" dirty="0"/>
+              <a:t>Generative AI (images, audio, </a:t>
+            </a:r>
+            <a:r>
+              <a:rPr lang="en-US" sz="3200" dirty="0" err="1"/>
+              <a:t>etc</a:t>
+            </a:r>
+            <a:r>
+              <a:rPr lang="en-US" sz="3200" dirty="0"/>
+              <a:t>).</a:t>
+            </a:r>
+          </a:p>
+          <a:p>
+            <a:pPr lvl="1"/>
+            <a:r>
+              <a:rPr lang="en-US" sz="3200" dirty="0"/>
+              <a:t>Chatting with NPCs.</a:t>
+            </a:r>
+          </a:p>
+        </p:txBody>
+      </p:sp>
+    </p:spTree>
+    <p:extLst>
+      <p:ext uri="{BB962C8B-B14F-4D97-AF65-F5344CB8AC3E}">
+        <p14:creationId xmlns:p14="http://schemas.microsoft.com/office/powerpoint/2010/main" val="1398718350"/>
+      </p:ext>
+    </p:extLst>
+  </p:cSld>
+  <p:clrMapOvr>
+    <a:masterClrMapping/>
+  </p:clrMapOvr>
+</p:sld>
+</file>
+
+<file path=ppt/slides/slide8.xml><?xml version="1.0" encoding="utf-8"?>
+<p:sld xmlns:a="http://schemas.openxmlformats.org/drawingml/2006/main" xmlns:r="http://schemas.openxmlformats.org/officeDocument/2006/relationships" xmlns:p="http://schemas.openxmlformats.org/presentationml/2006/main">
+  <p:cSld>
+    <p:spTree>
+      <p:nvGrpSpPr>
+        <p:cNvPr id="1" name=""/>
+        <p:cNvGrpSpPr/>
+        <p:nvPr/>
+      </p:nvGrpSpPr>
+      <p:grpSpPr>
+        <a:xfrm>
+          <a:off x="0" y="0"/>
+          <a:ext cx="0" cy="0"/>
+          <a:chOff x="0" y="0"/>
+          <a:chExt cx="0" cy="0"/>
+        </a:xfrm>
+      </p:grpSpPr>
+      <p:sp>
+        <p:nvSpPr>
+          <p:cNvPr id="2" name="Title 1">
+            <a:extLst>
+              <a:ext uri="{FF2B5EF4-FFF2-40B4-BE49-F238E27FC236}">
+                <a16:creationId xmlns:a16="http://schemas.microsoft.com/office/drawing/2014/main" id="{E03E1F13-BE86-4579-9387-CF998F828333}"/>
+              </a:ext>
+            </a:extLst>
+          </p:cNvPr>
+          <p:cNvSpPr>
+            <a:spLocks noGrp="1"/>
+          </p:cNvSpPr>
+          <p:nvPr>
+            <p:ph type="title"/>
+          </p:nvPr>
+        </p:nvSpPr>
+        <p:spPr/>
+        <p:txBody>
+          <a:bodyPr/>
+          <a:lstStyle/>
+          <a:p>
+            <a:r>
+              <a:rPr lang="en-US" dirty="0"/>
+              <a:t>Unity ML-Agents</a:t>
+            </a:r>
+          </a:p>
+        </p:txBody>
+      </p:sp>
+      <p:sp>
+        <p:nvSpPr>
+          <p:cNvPr id="3" name="Content Placeholder 2">
+            <a:extLst>
+              <a:ext uri="{FF2B5EF4-FFF2-40B4-BE49-F238E27FC236}">
+                <a16:creationId xmlns:a16="http://schemas.microsoft.com/office/drawing/2014/main" id="{8AAABF7F-2EF4-43E2-9C7C-B2E29460D0BB}"/>
+              </a:ext>
+            </a:extLst>
+          </p:cNvPr>
+          <p:cNvSpPr>
+            <a:spLocks noGrp="1"/>
+          </p:cNvSpPr>
+          <p:nvPr>
+            <p:ph idx="1"/>
+          </p:nvPr>
+        </p:nvSpPr>
+        <p:spPr/>
+        <p:txBody>
+          <a:bodyPr>
+            <a:normAutofit fontScale="92500"/>
+          </a:bodyPr>
+          <a:lstStyle/>
+          <a:p>
+            <a:r>
+              <a:rPr lang="en-US" dirty="0"/>
+              <a:t>Fast development due to open source and large community.</a:t>
+            </a:r>
+          </a:p>
+          <a:p>
+            <a:r>
+              <a:rPr lang="en-US" dirty="0"/>
+              <a:t>Easy to implement NNs in the Unity environment.</a:t>
+            </a:r>
+          </a:p>
+          <a:p>
+            <a:r>
+              <a:rPr lang="en-US" dirty="0"/>
+              <a:t>Training/Inference can be controlled via Python API (</a:t>
+            </a:r>
+            <a:r>
+              <a:rPr lang="en-US" dirty="0">
+                <a:hlinkClick r:id="rId2"/>
+              </a:rPr>
+              <a:t>https://github.com/gzrjzcx/ML-agents/blob/master/docs/Python-API.md</a:t>
+            </a:r>
+            <a:r>
+              <a:rPr lang="en-US" dirty="0"/>
+              <a:t>)</a:t>
+            </a:r>
+          </a:p>
+          <a:p>
+            <a:r>
+              <a:rPr lang="en-US" dirty="0"/>
+              <a:t>Many additional features (</a:t>
+            </a:r>
+            <a:r>
+              <a:rPr lang="en-US" dirty="0">
+                <a:hlinkClick r:id="rId3"/>
+              </a:rPr>
+              <a:t>https://github.com/gzrjzcx/ML-agents/blob/master/docs/ML-Agents-Overview.md#running-example-training-npc-behaviors</a:t>
+            </a:r>
+            <a:r>
+              <a:rPr lang="en-US" dirty="0"/>
+              <a:t>), such as:</a:t>
+            </a:r>
+          </a:p>
+          <a:p>
+            <a:pPr lvl="1"/>
+            <a:r>
+              <a:rPr lang="en-US" dirty="0"/>
+              <a:t>Memory-enhanced agents (Recurrent NNs)</a:t>
+            </a:r>
+          </a:p>
+          <a:p>
+            <a:pPr lvl="1"/>
+            <a:r>
+              <a:rPr lang="en-US" dirty="0"/>
+              <a:t>Broadcasting (Agent observations and actions are sent to the Python API)</a:t>
+            </a:r>
+          </a:p>
+          <a:p>
+            <a:r>
+              <a:rPr lang="en-US" dirty="0"/>
+              <a:t>Supports use pre-trained neural network models.</a:t>
+            </a:r>
+          </a:p>
+          <a:p>
+            <a:endParaRPr lang="en-US" dirty="0"/>
+          </a:p>
+        </p:txBody>
+      </p:sp>
+    </p:spTree>
+    <p:extLst>
+      <p:ext uri="{BB962C8B-B14F-4D97-AF65-F5344CB8AC3E}">
+        <p14:creationId xmlns:p14="http://schemas.microsoft.com/office/powerpoint/2010/main" val="3188441886"/>
+      </p:ext>
+    </p:extLst>
+  </p:cSld>
+  <p:clrMapOvr>
+    <a:masterClrMapping/>
+  </p:clrMapOvr>
+</p:sld>
+</file>
+
+<file path=ppt/slides/slide9.xml><?xml version="1.0" encoding="utf-8"?>
+<p:sld xmlns:a="http://schemas.openxmlformats.org/drawingml/2006/main" xmlns:r="http://schemas.openxmlformats.org/officeDocument/2006/relationships" xmlns:p="http://schemas.openxmlformats.org/presentationml/2006/main">
+  <p:cSld>
+    <p:spTree>
+      <p:nvGrpSpPr>
+        <p:cNvPr id="1" name=""/>
+        <p:cNvGrpSpPr/>
+        <p:nvPr/>
+      </p:nvGrpSpPr>
+      <p:grpSpPr>
+        <a:xfrm>
+          <a:off x="0" y="0"/>
+          <a:ext cx="0" cy="0"/>
+          <a:chOff x="0" y="0"/>
+          <a:chExt cx="0" cy="0"/>
+        </a:xfrm>
+      </p:grpSpPr>
+      <p:sp>
+        <p:nvSpPr>
+          <p:cNvPr id="2" name="Title 1">
+            <a:extLst>
+              <a:ext uri="{FF2B5EF4-FFF2-40B4-BE49-F238E27FC236}">
                 <a16:creationId xmlns:a16="http://schemas.microsoft.com/office/drawing/2014/main" id="{26413711-6929-470D-85AC-458F97EEE1E2}"/>
               </a:ext>
             </a:extLst>
@@ -3883,7 +4662,9 @@
         </p:nvSpPr>
         <p:spPr/>
         <p:txBody>
-          <a:bodyPr/>
+          <a:bodyPr>
+            <a:normAutofit lnSpcReduction="10000"/>
+          </a:bodyPr>
           <a:lstStyle/>
           <a:p>
             <a:r>
@@ -3894,18 +4675,56 @@
           <a:p>
             <a:r>
               <a:rPr lang="en-US" dirty="0"/>
-              <a:t>No easy to follow docs </a:t>
+              <a:t>No easy to follow docs, tutorials yet </a:t>
             </a:r>
             <a:r>
               <a:rPr lang="en-US" dirty="0">
                 <a:sym typeface="Wingdings" panose="05000000000000000000" pitchFamily="2" charset="2"/>
               </a:rPr>
-              <a:t> (only resource found: </a:t>
+              <a:t> (only resources found: </a:t>
+            </a:r>
+            <a:r>
+              <a:rPr lang="en-US" dirty="0">
+                <a:hlinkClick r:id="rId2"/>
+              </a:rPr>
+              <a:t>https://docs.unrealengine.com/5.3/en-US/BlueprintAPI/LearningAgents/</a:t>
             </a:r>
             <a:r>
               <a:rPr lang="en-US" dirty="0"/>
-              <a:t>https://docs.unrealengine.com/5.3/en-US/BlueprintAPI/LearningAgents/</a:t>
-            </a:r>
+              <a:t>, </a:t>
+            </a:r>
+            <a:r>
+              <a:rPr lang="en-US" dirty="0">
+                <a:hlinkClick r:id="rId3"/>
+              </a:rPr>
+              <a:t>https://dev.epicgames.com/community/learning/tutorials/8OWY/unreal-engine-learning-agents-introduction</a:t>
+            </a:r>
+            <a:r>
+              <a:rPr lang="en-US" dirty="0"/>
+              <a:t>, </a:t>
+            </a:r>
+            <a:r>
+              <a:rPr lang="en-US" dirty="0">
+                <a:hlinkClick r:id="rId4"/>
+              </a:rPr>
+              <a:t>https://dev.epicgames.com/community/learning/tutorials/qj2O/unreal-engine-learning-to-drive</a:t>
+            </a:r>
+            <a:r>
+              <a:rPr lang="en-US" dirty="0"/>
+              <a:t>)</a:t>
+            </a:r>
+          </a:p>
+          <a:p>
+            <a:r>
+              <a:rPr lang="en-US" dirty="0"/>
+              <a:t>Possible use case: train multiple NNs which are different in difficulty and use behavioral tree to then choose one based on the user actions.</a:t>
+            </a:r>
+          </a:p>
+          <a:p>
+            <a:endParaRPr lang="en-US" dirty="0"/>
+          </a:p>
+          <a:p>
+            <a:endParaRPr lang="en-US" dirty="0"/>
           </a:p>
         </p:txBody>
       </p:sp>

--- a/unity-vs-unreal.pptx
+++ b/unity-vs-unreal.pptx
@@ -3537,19 +3537,19 @@
           <a:p>
             <a:r>
               <a:rPr lang="en-US" dirty="0"/>
-              <a:t>1. Analyze user eye data (focused, bored), puzzle game, help choosing user which topics he wants to learn about: “I see you are too focus, keep thinking; I see you are bored, let us try another topic?” (perhaps example of Imitation Learning)</a:t>
+              <a:t>Analyze user eye data (focused, bored), puzzle game, help choosing user which topics he wants to learn about: “I see you are too focus, keep thinking; I see you are bored, let us try another topic?” (perhaps example of Imitation Learning)</a:t>
             </a:r>
           </a:p>
           <a:p>
             <a:r>
               <a:rPr lang="en-US" dirty="0"/>
-              <a:t>2. Continuing with previous example, the game can adapt based on user behavioral data to give different/more difficult/easier problems. E.g. the size of the hole where you put an object gets bigger; or if the person takes too many tries, you remove some components that make the game difficult (can this be done just using “behavioral” trees?)</a:t>
+              <a:t>Continuing with previous example, the game can adapt based on user behavioral data to give different/more difficult/easier problems. E.g. the size of the hole where you put an object gets bigger; or if the person takes too many tries, you remove some components that make the game difficult (can this be done just using “behavioral” trees?)</a:t>
             </a:r>
           </a:p>
           <a:p>
             <a:r>
               <a:rPr lang="en-US" dirty="0"/>
-              <a:t>3. Narrator talks about something, if user frowns, narrator says: "Oh, I see you are confused. Let me explain it in more detail.". Might be great for education when explaining some topics to users from different backgrounds.</a:t>
+              <a:t>Narrator talks about something, if user frowns, narrator says: "Oh, I see you are confused. Let me explain it in more detail.". Might be great for education when explaining some topics to users from different backgrounds.</a:t>
             </a:r>
           </a:p>
         </p:txBody>
@@ -3648,25 +3648,14 @@
           <a:p>
             <a:r>
               <a:rPr lang="en-US" dirty="0"/>
-              <a:t>Play therapy (cure e.g. ADHD through gaming).</a:t>
+              <a:t>Redesign UI based on gaze data.</a:t>
             </a:r>
           </a:p>
           <a:p>
             <a:r>
               <a:rPr lang="en-US" dirty="0"/>
-              <a:t>Redesign UI based on gaze data.</a:t>
-            </a:r>
-          </a:p>
-          <a:p>
-            <a:r>
-              <a:rPr lang="en-US" dirty="0"/>
-              <a:t>In Unity, you can train model to generate scenes, perhaps use them to generate e.g. more difficult scenes if user successfully </a:t>
-            </a:r>
-            <a:r>
-              <a:rPr lang="en-US"/>
-              <a:t>passed tests.</a:t>
-            </a:r>
-            <a:endParaRPr lang="en-US" dirty="0"/>
+              <a:t>In Unity, you can train model to generate scenes, perhaps use them to generate e.g. more difficult scenes if user successfully passed tests.</a:t>
+            </a:r>
           </a:p>
         </p:txBody>
       </p:sp>
@@ -3880,39 +3869,33 @@
           <a:p>
             <a:r>
               <a:rPr lang="en-US" dirty="0"/>
-              <a:t>Custom Training and Inference</a:t>
-            </a:r>
-          </a:p>
-          <a:p>
-            <a:pPr lvl="1"/>
-            <a:r>
-              <a:rPr lang="en-US" dirty="0"/>
-              <a:t>Any user of the ML-Agents toolkit can leverage their own algorithms for training. In this case, the Brain type would be set to Learning and be linked to the </a:t>
-            </a:r>
-            <a:r>
-              <a:rPr lang="en-US" dirty="0" err="1"/>
-              <a:t>BroadcastHub</a:t>
-            </a:r>
-            <a:r>
-              <a:rPr lang="en-US" dirty="0"/>
-              <a:t> (with checked Control checkbox) and the behaviors of all the Agents in the scene will be controlled within Python. You can even turn your environment into a gym.</a:t>
-            </a:r>
-          </a:p>
-          <a:p>
-            <a:r>
-              <a:rPr lang="en-US" dirty="0"/>
-              <a:t>Python API: </a:t>
+              <a:t>Custom trainers Plugin (extend ml-agents trainers, optimizers and hyperparameter settings) (currently limited?) (</a:t>
             </a:r>
             <a:r>
               <a:rPr lang="en-US" dirty="0">
                 <a:hlinkClick r:id="rId2"/>
               </a:rPr>
-              <a:t>https://github.com/gzrjzcx/ML-agents/blob/master/docs/Python-API.md</a:t>
-            </a:r>
-            <a:endParaRPr lang="en-US" dirty="0"/>
-          </a:p>
-          <a:p>
-            <a:endParaRPr lang="en-US" dirty="0"/>
+              <a:t>https://github.com/Unity-Technologies/ml-agents/blob/develop/docs/Python-Custom-Trainer-Plugin.md</a:t>
+            </a:r>
+            <a:r>
+              <a:rPr lang="en-US" dirty="0"/>
+              <a:t>)</a:t>
+            </a:r>
+          </a:p>
+          <a:p>
+            <a:pPr lvl="1"/>
+            <a:r>
+              <a:rPr lang="en-US" dirty="0"/>
+              <a:t>rerouting </a:t>
+            </a:r>
+            <a:r>
+              <a:rPr lang="en-US" dirty="0" err="1"/>
+              <a:t>mlagents</a:t>
+            </a:r>
+            <a:r>
+              <a:rPr lang="en-US" dirty="0"/>
+              <a:t>-learn CLI to custom trainers and extending the config files with hyper-parameters specific to your new trainers</a:t>
+            </a:r>
           </a:p>
         </p:txBody>
       </p:sp>

--- a/unity-vs-unreal.pptx
+++ b/unity-vs-unreal.pptx
@@ -3642,7 +3642,7 @@
           <a:p>
             <a:r>
               <a:rPr lang="en-US" dirty="0"/>
-              <a:t>Adapt educational environments based on user type (identify user type (e.g. visual, audio learners, by bio data and adapt accordingly).</a:t>
+              <a:t>Adapt educational environments based on user type (identify user type (e.g. visual, audio learners, by bio data user interactions and adapt accordingly).</a:t>
             </a:r>
           </a:p>
           <a:p>
@@ -3655,6 +3655,12 @@
             <a:r>
               <a:rPr lang="en-US" dirty="0"/>
               <a:t>In Unity, you can train model to generate scenes, perhaps use them to generate e.g. more difficult scenes if user successfully passed tests.</a:t>
+            </a:r>
+          </a:p>
+          <a:p>
+            <a:r>
+              <a:rPr lang="en-US" dirty="0"/>
+              <a:t>You draw something and the model improves it?</a:t>
             </a:r>
           </a:p>
         </p:txBody>

--- a/unity-vs-unreal.pptx
+++ b/unity-vs-unreal.pptx
@@ -269,7 +269,7 @@
           <a:p>
             <a:fld id="{CBFCC1BE-FDCA-4AAA-894B-C59CE6B7A98A}" type="datetimeFigureOut">
               <a:rPr lang="en-US" smtClean="0"/>
-              <a:t>3/7/2024</a:t>
+              <a:t>3/8/2024</a:t>
             </a:fld>
             <a:endParaRPr lang="en-US"/>
           </a:p>
@@ -467,7 +467,7 @@
           <a:p>
             <a:fld id="{CBFCC1BE-FDCA-4AAA-894B-C59CE6B7A98A}" type="datetimeFigureOut">
               <a:rPr lang="en-US" smtClean="0"/>
-              <a:t>3/7/2024</a:t>
+              <a:t>3/8/2024</a:t>
             </a:fld>
             <a:endParaRPr lang="en-US"/>
           </a:p>
@@ -675,7 +675,7 @@
           <a:p>
             <a:fld id="{CBFCC1BE-FDCA-4AAA-894B-C59CE6B7A98A}" type="datetimeFigureOut">
               <a:rPr lang="en-US" smtClean="0"/>
-              <a:t>3/7/2024</a:t>
+              <a:t>3/8/2024</a:t>
             </a:fld>
             <a:endParaRPr lang="en-US"/>
           </a:p>
@@ -873,7 +873,7 @@
           <a:p>
             <a:fld id="{CBFCC1BE-FDCA-4AAA-894B-C59CE6B7A98A}" type="datetimeFigureOut">
               <a:rPr lang="en-US" smtClean="0"/>
-              <a:t>3/7/2024</a:t>
+              <a:t>3/8/2024</a:t>
             </a:fld>
             <a:endParaRPr lang="en-US"/>
           </a:p>
@@ -1148,7 +1148,7 @@
           <a:p>
             <a:fld id="{CBFCC1BE-FDCA-4AAA-894B-C59CE6B7A98A}" type="datetimeFigureOut">
               <a:rPr lang="en-US" smtClean="0"/>
-              <a:t>3/7/2024</a:t>
+              <a:t>3/8/2024</a:t>
             </a:fld>
             <a:endParaRPr lang="en-US"/>
           </a:p>
@@ -1413,7 +1413,7 @@
           <a:p>
             <a:fld id="{CBFCC1BE-FDCA-4AAA-894B-C59CE6B7A98A}" type="datetimeFigureOut">
               <a:rPr lang="en-US" smtClean="0"/>
-              <a:t>3/7/2024</a:t>
+              <a:t>3/8/2024</a:t>
             </a:fld>
             <a:endParaRPr lang="en-US"/>
           </a:p>
@@ -1825,7 +1825,7 @@
           <a:p>
             <a:fld id="{CBFCC1BE-FDCA-4AAA-894B-C59CE6B7A98A}" type="datetimeFigureOut">
               <a:rPr lang="en-US" smtClean="0"/>
-              <a:t>3/7/2024</a:t>
+              <a:t>3/8/2024</a:t>
             </a:fld>
             <a:endParaRPr lang="en-US"/>
           </a:p>
@@ -1966,7 +1966,7 @@
           <a:p>
             <a:fld id="{CBFCC1BE-FDCA-4AAA-894B-C59CE6B7A98A}" type="datetimeFigureOut">
               <a:rPr lang="en-US" smtClean="0"/>
-              <a:t>3/7/2024</a:t>
+              <a:t>3/8/2024</a:t>
             </a:fld>
             <a:endParaRPr lang="en-US"/>
           </a:p>
@@ -2079,7 +2079,7 @@
           <a:p>
             <a:fld id="{CBFCC1BE-FDCA-4AAA-894B-C59CE6B7A98A}" type="datetimeFigureOut">
               <a:rPr lang="en-US" smtClean="0"/>
-              <a:t>3/7/2024</a:t>
+              <a:t>3/8/2024</a:t>
             </a:fld>
             <a:endParaRPr lang="en-US"/>
           </a:p>
@@ -2390,7 +2390,7 @@
           <a:p>
             <a:fld id="{CBFCC1BE-FDCA-4AAA-894B-C59CE6B7A98A}" type="datetimeFigureOut">
               <a:rPr lang="en-US" smtClean="0"/>
-              <a:t>3/7/2024</a:t>
+              <a:t>3/8/2024</a:t>
             </a:fld>
             <a:endParaRPr lang="en-US"/>
           </a:p>
@@ -2678,7 +2678,7 @@
           <a:p>
             <a:fld id="{CBFCC1BE-FDCA-4AAA-894B-C59CE6B7A98A}" type="datetimeFigureOut">
               <a:rPr lang="en-US" smtClean="0"/>
-              <a:t>3/7/2024</a:t>
+              <a:t>3/8/2024</a:t>
             </a:fld>
             <a:endParaRPr lang="en-US"/>
           </a:p>
@@ -2919,7 +2919,7 @@
           <a:p>
             <a:fld id="{CBFCC1BE-FDCA-4AAA-894B-C59CE6B7A98A}" type="datetimeFigureOut">
               <a:rPr lang="en-US" smtClean="0"/>
-              <a:t>3/7/2024</a:t>
+              <a:t>3/8/2024</a:t>
             </a:fld>
             <a:endParaRPr lang="en-US"/>
           </a:p>
@@ -3531,26 +3531,29 @@
         </p:spPr>
         <p:txBody>
           <a:bodyPr>
-            <a:normAutofit fontScale="92500" lnSpcReduction="10000"/>
+            <a:normAutofit/>
           </a:bodyPr>
           <a:lstStyle/>
           <a:p>
             <a:r>
               <a:rPr lang="en-US" dirty="0"/>
-              <a:t>Analyze user eye data (focused, bored), puzzle game, help choosing user which topics he wants to learn about: “I see you are too focus, keep thinking; I see you are bored, let us try another topic?” (perhaps example of Imitation Learning)</a:t>
+              <a:t>Train a model that would continuously monitor user status, e.g. check whether a user is focused/confused or not when learning some topic. If focused =&gt; …, else =&gt; … </a:t>
             </a:r>
           </a:p>
           <a:p>
             <a:r>
               <a:rPr lang="en-US" dirty="0"/>
-              <a:t>Continuing with previous example, the game can adapt based on user behavioral data to give different/more difficult/easier problems. E.g. the size of the hole where you put an object gets bigger; or if the person takes too many tries, you remove some components that make the game difficult (can this be done just using “behavioral” trees?)</a:t>
+              <a:t>Continuing with previous example, the game can adapt based on user behavioral data to give different/more difficult/easier problems. E.g. a memorization game that would adapt based on how fast user solves a problem</a:t>
             </a:r>
           </a:p>
           <a:p>
             <a:r>
               <a:rPr lang="en-US" dirty="0"/>
-              <a:t>Narrator talks about something, if user frowns, narrator says: "Oh, I see you are confused. Let me explain it in more detail.". Might be great for education when explaining some topics to users from different backgrounds.</a:t>
-            </a:r>
+              <a:t>Adapt educational environments based on user type (identify user type (e.g. visual, audio learners, by bio data user interactions and adapt accordingly).</a:t>
+            </a:r>
+          </a:p>
+          <a:p>
+            <a:endParaRPr lang="en-US" dirty="0"/>
           </a:p>
         </p:txBody>
       </p:sp>
@@ -3642,26 +3645,25 @@
           <a:p>
             <a:r>
               <a:rPr lang="en-US" dirty="0"/>
-              <a:t>Adapt educational environments based on user type (identify user type (e.g. visual, audio learners, by bio data user interactions and adapt accordingly).</a:t>
+              <a:t>Redesign UI or environment based on gaze data.</a:t>
             </a:r>
           </a:p>
           <a:p>
             <a:r>
               <a:rPr lang="en-US" dirty="0"/>
-              <a:t>Redesign UI based on gaze data.</a:t>
+              <a:t>In Unity VR you can draw, perhaps we can train a model that would continuously analyze user drawing and give suggestions on how to improve it.</a:t>
             </a:r>
           </a:p>
           <a:p>
             <a:r>
               <a:rPr lang="en-US" dirty="0"/>
-              <a:t>In Unity, you can train model to generate scenes, perhaps use them to generate e.g. more difficult scenes if user successfully passed tests.</a:t>
-            </a:r>
-          </a:p>
-          <a:p>
-            <a:r>
-              <a:rPr lang="en-US" dirty="0"/>
-              <a:t>You draw something and the model improves it?</a:t>
-            </a:r>
+              <a:t>If a user learns about something, we can train a model that would create test environments based on the material learned (e.g. how to properly plant </a:t>
+            </a:r>
+            <a:r>
+              <a:rPr lang="en-US"/>
+              <a:t>a tree).</a:t>
+            </a:r>
+            <a:endParaRPr lang="en-US" dirty="0"/>
           </a:p>
         </p:txBody>
       </p:sp>
@@ -3766,7 +3768,7 @@
             </a:r>
             <a:r>
               <a:rPr lang="en-US" sz="3200" dirty="0"/>
-              <a:t>(demonstrations in real-time during training, without pre-recording a demonstration file)</a:t>
+              <a:t>(demonstrations in real-time during training, without pre-recording a demonstration file).</a:t>
             </a:r>
           </a:p>
           <a:p>
@@ -3776,7 +3778,7 @@
             </a:r>
             <a:r>
               <a:rPr lang="en-US" sz="3200" dirty="0"/>
-              <a:t>(by supporting .demo files, generated using the Demonstration Recorder as the dataset used to train a behavior.)y</a:t>
+              <a:t>(by supporting .demo files, generated using the Demonstration Recorder as the dataset used to train a behavior).</a:t>
             </a:r>
           </a:p>
           <a:p>
@@ -3892,15 +3894,7 @@
             <a:pPr lvl="1"/>
             <a:r>
               <a:rPr lang="en-US" dirty="0"/>
-              <a:t>rerouting </a:t>
-            </a:r>
-            <a:r>
-              <a:rPr lang="en-US" dirty="0" err="1"/>
-              <a:t>mlagents</a:t>
-            </a:r>
-            <a:r>
-              <a:rPr lang="en-US" dirty="0"/>
-              <a:t>-learn CLI to custom trainers and extending the config files with hyper-parameters specific to your new trainers</a:t>
+              <a:t>rerouting ML-Agents to learn CLI to custom trainers and extending the config files with hyper-parameters specific to your new trainers</a:t>
             </a:r>
           </a:p>
         </p:txBody>
@@ -3987,13 +3981,13 @@
         </p:spPr>
         <p:txBody>
           <a:bodyPr>
-            <a:normAutofit lnSpcReduction="10000"/>
+            <a:normAutofit fontScale="92500"/>
           </a:bodyPr>
           <a:lstStyle/>
           <a:p>
             <a:r>
               <a:rPr lang="en-US" sz="3200" dirty="0"/>
-              <a:t>Recurrent: NO! (doesn't directly support incorporating past experiences or information into the decision-making process, i.e. tasks requiring temporal reasoning or long-term planning)</a:t>
+              <a:t>Recurrent: NO! (doesn't directly support incorporating past experiences or information into the decision-making process, i.e. tasks requiring temporal reasoning or long-term planning).</a:t>
             </a:r>
           </a:p>
           <a:p>
@@ -4005,13 +3999,19 @@
           <a:p>
             <a:r>
               <a:rPr lang="en-US" sz="3200" dirty="0"/>
+              <a:t>CNNs: NO!</a:t>
+            </a:r>
+          </a:p>
+          <a:p>
+            <a:r>
+              <a:rPr lang="en-US" sz="3200" dirty="0"/>
+              <a:t>General reinforcement learning: YES!</a:t>
+            </a:r>
+          </a:p>
+          <a:p>
+            <a:r>
+              <a:rPr lang="en-US" sz="3200" dirty="0"/>
               <a:t>Imitation learning: YES!</a:t>
-            </a:r>
-          </a:p>
-          <a:p>
-            <a:r>
-              <a:rPr lang="en-US" sz="3200" dirty="0"/>
-              <a:t>CNNs: NO!</a:t>
             </a:r>
           </a:p>
           <a:p>
@@ -4105,13 +4105,13 @@
         <p:spPr/>
         <p:txBody>
           <a:bodyPr>
-            <a:normAutofit/>
+            <a:normAutofit fontScale="92500" lnSpcReduction="20000"/>
           </a:bodyPr>
           <a:lstStyle/>
           <a:p>
             <a:r>
               <a:rPr lang="en-US" sz="3600" dirty="0"/>
-              <a:t>Utilizes Blueprint system (see next image).</a:t>
+              <a:t>Utilizes Blueprint system (≈ Bolt in Unity) or C++ coding as in Unity.</a:t>
             </a:r>
           </a:p>
           <a:p>
@@ -4140,6 +4140,12 @@
             <a:r>
               <a:rPr lang="en-US" sz="3600" dirty="0"/>
               <a:t> algorithm for PPO and BC).</a:t>
+            </a:r>
+          </a:p>
+          <a:p>
+            <a:r>
+              <a:rPr lang="en-US" sz="3600" dirty="0"/>
+              <a:t>Overall, the model definition and training process is almost the same as in ML-Agents.</a:t>
             </a:r>
           </a:p>
         </p:txBody>
@@ -4500,7 +4506,12 @@
             <p:ph idx="1"/>
           </p:nvPr>
         </p:nvSpPr>
-        <p:spPr/>
+        <p:spPr>
+          <a:xfrm>
+            <a:off x="838200" y="1507067"/>
+            <a:ext cx="10515600" cy="5130800"/>
+          </a:xfrm>
+        </p:spPr>
         <p:txBody>
           <a:bodyPr>
             <a:normAutofit fontScale="92500"/>
@@ -4561,13 +4572,29 @@
             <a:pPr lvl="1"/>
             <a:r>
               <a:rPr lang="en-US" dirty="0"/>
-              <a:t>Broadcasting (Agent observations and actions are sent to the Python API)</a:t>
-            </a:r>
-          </a:p>
-          <a:p>
+              <a:t>Broadcasting : leverage own algorithms for training. In this case, the Brain </a:t>
+            </a:r>
+            <a:r>
+              <a:rPr lang="en-US" dirty="0" err="1"/>
+              <a:t>typeof</a:t>
+            </a:r>
             <a:r>
               <a:rPr lang="en-US" dirty="0"/>
-              <a:t>Supports use pre-trained neural network models.</a:t>
+              <a:t> an Agent would be set to Learning and be linked to the </a:t>
+            </a:r>
+            <a:r>
+              <a:rPr lang="en-US" dirty="0" err="1"/>
+              <a:t>BroadcastHub</a:t>
+            </a:r>
+            <a:r>
+              <a:rPr lang="en-US" dirty="0"/>
+              <a:t> and the behaviors of all the Agents in the scene will be controlled within Python. Can even turn an environment into a gym.</a:t>
+            </a:r>
+          </a:p>
+          <a:p>
+            <a:r>
+              <a:rPr lang="en-US" dirty="0"/>
+              <a:t>Supports use of pre-trained neural network models.</a:t>
             </a:r>
           </a:p>
           <a:p>
@@ -4652,13 +4679,19 @@
         <p:spPr/>
         <p:txBody>
           <a:bodyPr>
-            <a:normAutofit lnSpcReduction="10000"/>
+            <a:normAutofit fontScale="92500" lnSpcReduction="10000"/>
           </a:bodyPr>
           <a:lstStyle/>
           <a:p>
             <a:r>
               <a:rPr lang="en-US" dirty="0"/>
-              <a:t>Uses Blueprint API</a:t>
+              <a:t>Similar training structure to ML-Agents</a:t>
+            </a:r>
+          </a:p>
+          <a:p>
+            <a:r>
+              <a:rPr lang="en-US" dirty="0"/>
+              <a:t>No control via Python API?</a:t>
             </a:r>
           </a:p>
           <a:p>
@@ -4700,13 +4733,23 @@
             </a:r>
             <a:r>
               <a:rPr lang="en-US" dirty="0"/>
+              <a:t>, </a:t>
+            </a:r>
+            <a:r>
+              <a:rPr lang="en-US" dirty="0">
+                <a:hlinkClick r:id="rId5"/>
+              </a:rPr>
+              <a:t>https://medium.com/@gensen/early-explorations-of-learning-agents-in-unreal-engine-ef74b058161e</a:t>
+            </a:r>
+            <a:r>
+              <a:rPr lang="en-US" dirty="0"/>
               <a:t>)</a:t>
             </a:r>
           </a:p>
           <a:p>
             <a:r>
               <a:rPr lang="en-US" dirty="0"/>
-              <a:t>Possible use case: train multiple NNs which are different in difficulty and use behavioral tree to then choose one based on the user actions.</a:t>
+              <a:t>Right now most people use behavioral trees or combination of behavioral tress and trained NNs.</a:t>
             </a:r>
           </a:p>
           <a:p>

--- a/unity-vs-unreal.pptx
+++ b/unity-vs-unreal.pptx
@@ -3526,7 +3526,7 @@
         <p:spPr>
           <a:xfrm>
             <a:off x="838200" y="1498600"/>
-            <a:ext cx="10515600" cy="4678363"/>
+            <a:ext cx="10515600" cy="5359400"/>
           </a:xfrm>
         </p:spPr>
         <p:txBody>
@@ -3536,24 +3536,21 @@
           <a:lstStyle/>
           <a:p>
             <a:r>
-              <a:rPr lang="en-US" dirty="0"/>
+              <a:rPr lang="en-US" sz="3200" dirty="0"/>
               <a:t>Train a model that would continuously monitor user status, e.g. check whether a user is focused/confused or not when learning some topic. If focused =&gt; …, else =&gt; … </a:t>
             </a:r>
           </a:p>
           <a:p>
             <a:r>
-              <a:rPr lang="en-US" dirty="0"/>
-              <a:t>Continuing with previous example, the game can adapt based on user behavioral data to give different/more difficult/easier problems. E.g. a memorization game that would adapt based on how fast user solves a problem</a:t>
-            </a:r>
-          </a:p>
-          <a:p>
-            <a:r>
-              <a:rPr lang="en-US" dirty="0"/>
-              <a:t>Adapt educational environments based on user type (identify user type (e.g. visual, audio learners, by bio data user interactions and adapt accordingly).</a:t>
-            </a:r>
-          </a:p>
-          <a:p>
-            <a:endParaRPr lang="en-US" dirty="0"/>
+              <a:rPr lang="en-US" sz="3200" dirty="0"/>
+              <a:t>Continuing with previous example, the game can adapt based on user behavioral data to give different/more difficult/easier problems.</a:t>
+            </a:r>
+          </a:p>
+          <a:p>
+            <a:r>
+              <a:rPr lang="en-US" sz="3200" dirty="0"/>
+              <a:t>In Unity VR you can draw, perhaps we can train a model that would continuously analyze user drawing and give suggestions on how to improve it.</a:t>
+            </a:r>
           </a:p>
         </p:txBody>
       </p:sp>
@@ -3644,26 +3641,9 @@
           <a:lstStyle/>
           <a:p>
             <a:r>
-              <a:rPr lang="en-US" dirty="0"/>
-              <a:t>Redesign UI or environment based on gaze data.</a:t>
-            </a:r>
-          </a:p>
-          <a:p>
-            <a:r>
-              <a:rPr lang="en-US" dirty="0"/>
-              <a:t>In Unity VR you can draw, perhaps we can train a model that would continuously analyze user drawing and give suggestions on how to improve it.</a:t>
-            </a:r>
-          </a:p>
-          <a:p>
-            <a:r>
-              <a:rPr lang="en-US" dirty="0"/>
-              <a:t>If a user learns about something, we can train a model that would create test environments based on the material learned (e.g. how to properly plant </a:t>
-            </a:r>
-            <a:r>
-              <a:rPr lang="en-US"/>
-              <a:t>a tree).</a:t>
-            </a:r>
-            <a:endParaRPr lang="en-US" dirty="0"/>
+              <a:rPr lang="en-US" sz="3600" dirty="0"/>
+              <a:t>VR science game where students conduct experiments on virtual organisms.  An Agent could control the organism's behavior based on the experiment's parameters: e.g. student chooses parameters for plant growth (temperature, water availability), then ML-Agent predicts how the virtual plant should respond and controls the virtual plant growth rate, visual appearance.</a:t>
+            </a:r>
           </a:p>
         </p:txBody>
       </p:sp>
